--- a/Prezentare.pptx
+++ b/Prezentare.pptx
@@ -4,6 +4,9 @@
   <p:sldMasterIdLst>
     <p:sldMasterId id="2147483660" r:id="rId1"/>
   </p:sldMasterIdLst>
+  <p:notesMasterIdLst>
+    <p:notesMasterId r:id="rId13"/>
+  </p:notesMasterIdLst>
   <p:sldIdLst>
     <p:sldId id="256" r:id="rId2"/>
     <p:sldId id="257" r:id="rId3"/>
@@ -120,6 +123,356 @@
     </p:ext>
   </p:extLst>
 </p:presentation>
+</file>
+
+<file path=ppt/notesMasters/notesMaster1.xml><?xml version="1.0" encoding="utf-8"?>
+<p:notesMaster xmlns:a="http://schemas.openxmlformats.org/drawingml/2006/main" xmlns:r="http://schemas.openxmlformats.org/officeDocument/2006/relationships" xmlns:p="http://schemas.openxmlformats.org/presentationml/2006/main">
+  <p:cSld>
+    <p:bg>
+      <p:bgRef idx="1001">
+        <a:schemeClr val="bg1"/>
+      </p:bgRef>
+    </p:bg>
+    <p:spTree>
+      <p:nvGrpSpPr>
+        <p:cNvPr id="1" name=""/>
+        <p:cNvGrpSpPr/>
+        <p:nvPr/>
+      </p:nvGrpSpPr>
+      <p:grpSpPr>
+        <a:xfrm>
+          <a:off x="0" y="0"/>
+          <a:ext cx="0" cy="0"/>
+          <a:chOff x="0" y="0"/>
+          <a:chExt cx="0" cy="0"/>
+        </a:xfrm>
+      </p:grpSpPr>
+      <p:sp>
+        <p:nvSpPr>
+          <p:cNvPr id="2" name="Header Placeholder 1"/>
+          <p:cNvSpPr>
+            <a:spLocks noGrp="1"/>
+          </p:cNvSpPr>
+          <p:nvPr>
+            <p:ph type="hdr" sz="quarter"/>
+          </p:nvPr>
+        </p:nvSpPr>
+        <p:spPr>
+          <a:xfrm>
+            <a:off x="0" y="0"/>
+            <a:ext cx="2971800" cy="458788"/>
+          </a:xfrm>
+          <a:prstGeom prst="rect">
+            <a:avLst/>
+          </a:prstGeom>
+        </p:spPr>
+        <p:txBody>
+          <a:bodyPr vert="horz" lIns="91440" tIns="45720" rIns="91440" bIns="45720" rtlCol="0"/>
+          <a:lstStyle>
+            <a:lvl1pPr algn="l">
+              <a:defRPr sz="1200"/>
+            </a:lvl1pPr>
+          </a:lstStyle>
+          <a:p>
+            <a:endParaRPr lang="ro-RO"/>
+          </a:p>
+        </p:txBody>
+      </p:sp>
+      <p:sp>
+        <p:nvSpPr>
+          <p:cNvPr id="3" name="Date Placeholder 2"/>
+          <p:cNvSpPr>
+            <a:spLocks noGrp="1"/>
+          </p:cNvSpPr>
+          <p:nvPr>
+            <p:ph type="dt" idx="1"/>
+          </p:nvPr>
+        </p:nvSpPr>
+        <p:spPr>
+          <a:xfrm>
+            <a:off x="3884613" y="0"/>
+            <a:ext cx="2971800" cy="458788"/>
+          </a:xfrm>
+          <a:prstGeom prst="rect">
+            <a:avLst/>
+          </a:prstGeom>
+        </p:spPr>
+        <p:txBody>
+          <a:bodyPr vert="horz" lIns="91440" tIns="45720" rIns="91440" bIns="45720" rtlCol="0"/>
+          <a:lstStyle>
+            <a:lvl1pPr algn="r">
+              <a:defRPr sz="1200"/>
+            </a:lvl1pPr>
+          </a:lstStyle>
+          <a:p>
+            <a:fld id="{D5F7088A-967C-4CDE-B475-005A05240B28}" type="datetimeFigureOut">
+              <a:rPr lang="ro-RO" smtClean="0"/>
+              <a:t>29.06.2018</a:t>
+            </a:fld>
+            <a:endParaRPr lang="ro-RO"/>
+          </a:p>
+        </p:txBody>
+      </p:sp>
+      <p:sp>
+        <p:nvSpPr>
+          <p:cNvPr id="4" name="Slide Image Placeholder 3"/>
+          <p:cNvSpPr>
+            <a:spLocks noGrp="1" noRot="1" noChangeAspect="1"/>
+          </p:cNvSpPr>
+          <p:nvPr>
+            <p:ph type="sldImg" idx="2"/>
+          </p:nvPr>
+        </p:nvSpPr>
+        <p:spPr>
+          <a:xfrm>
+            <a:off x="685800" y="1143000"/>
+            <a:ext cx="5486400" cy="3086100"/>
+          </a:xfrm>
+          <a:prstGeom prst="rect">
+            <a:avLst/>
+          </a:prstGeom>
+          <a:noFill/>
+          <a:ln w="12700">
+            <a:solidFill>
+              <a:prstClr val="black"/>
+            </a:solidFill>
+          </a:ln>
+        </p:spPr>
+        <p:txBody>
+          <a:bodyPr vert="horz" lIns="91440" tIns="45720" rIns="91440" bIns="45720" rtlCol="0" anchor="ctr"/>
+          <a:lstStyle/>
+          <a:p>
+            <a:endParaRPr lang="ro-RO"/>
+          </a:p>
+        </p:txBody>
+      </p:sp>
+      <p:sp>
+        <p:nvSpPr>
+          <p:cNvPr id="5" name="Notes Placeholder 4"/>
+          <p:cNvSpPr>
+            <a:spLocks noGrp="1"/>
+          </p:cNvSpPr>
+          <p:nvPr>
+            <p:ph type="body" sz="quarter" idx="3"/>
+          </p:nvPr>
+        </p:nvSpPr>
+        <p:spPr>
+          <a:xfrm>
+            <a:off x="685800" y="4400550"/>
+            <a:ext cx="5486400" cy="3600450"/>
+          </a:xfrm>
+          <a:prstGeom prst="rect">
+            <a:avLst/>
+          </a:prstGeom>
+        </p:spPr>
+        <p:txBody>
+          <a:bodyPr vert="horz" lIns="91440" tIns="45720" rIns="91440" bIns="45720" rtlCol="0"/>
+          <a:lstStyle/>
+          <a:p>
+            <a:pPr lvl="0"/>
+            <a:r>
+              <a:rPr lang="en-US" smtClean="0"/>
+              <a:t>Edit Master text styles</a:t>
+            </a:r>
+          </a:p>
+          <a:p>
+            <a:pPr lvl="1"/>
+            <a:r>
+              <a:rPr lang="en-US" smtClean="0"/>
+              <a:t>Second level</a:t>
+            </a:r>
+          </a:p>
+          <a:p>
+            <a:pPr lvl="2"/>
+            <a:r>
+              <a:rPr lang="en-US" smtClean="0"/>
+              <a:t>Third level</a:t>
+            </a:r>
+          </a:p>
+          <a:p>
+            <a:pPr lvl="3"/>
+            <a:r>
+              <a:rPr lang="en-US" smtClean="0"/>
+              <a:t>Fourth level</a:t>
+            </a:r>
+          </a:p>
+          <a:p>
+            <a:pPr lvl="4"/>
+            <a:r>
+              <a:rPr lang="en-US" smtClean="0"/>
+              <a:t>Fifth level</a:t>
+            </a:r>
+            <a:endParaRPr lang="ro-RO"/>
+          </a:p>
+        </p:txBody>
+      </p:sp>
+      <p:sp>
+        <p:nvSpPr>
+          <p:cNvPr id="6" name="Footer Placeholder 5"/>
+          <p:cNvSpPr>
+            <a:spLocks noGrp="1"/>
+          </p:cNvSpPr>
+          <p:nvPr>
+            <p:ph type="ftr" sz="quarter" idx="4"/>
+          </p:nvPr>
+        </p:nvSpPr>
+        <p:spPr>
+          <a:xfrm>
+            <a:off x="0" y="8685213"/>
+            <a:ext cx="2971800" cy="458787"/>
+          </a:xfrm>
+          <a:prstGeom prst="rect">
+            <a:avLst/>
+          </a:prstGeom>
+        </p:spPr>
+        <p:txBody>
+          <a:bodyPr vert="horz" lIns="91440" tIns="45720" rIns="91440" bIns="45720" rtlCol="0" anchor="b"/>
+          <a:lstStyle>
+            <a:lvl1pPr algn="l">
+              <a:defRPr sz="1200"/>
+            </a:lvl1pPr>
+          </a:lstStyle>
+          <a:p>
+            <a:endParaRPr lang="ro-RO"/>
+          </a:p>
+        </p:txBody>
+      </p:sp>
+      <p:sp>
+        <p:nvSpPr>
+          <p:cNvPr id="7" name="Slide Number Placeholder 6"/>
+          <p:cNvSpPr>
+            <a:spLocks noGrp="1"/>
+          </p:cNvSpPr>
+          <p:nvPr>
+            <p:ph type="sldNum" sz="quarter" idx="5"/>
+          </p:nvPr>
+        </p:nvSpPr>
+        <p:spPr>
+          <a:xfrm>
+            <a:off x="3884613" y="8685213"/>
+            <a:ext cx="2971800" cy="458787"/>
+          </a:xfrm>
+          <a:prstGeom prst="rect">
+            <a:avLst/>
+          </a:prstGeom>
+        </p:spPr>
+        <p:txBody>
+          <a:bodyPr vert="horz" lIns="91440" tIns="45720" rIns="91440" bIns="45720" rtlCol="0" anchor="b"/>
+          <a:lstStyle>
+            <a:lvl1pPr algn="r">
+              <a:defRPr sz="1200"/>
+            </a:lvl1pPr>
+          </a:lstStyle>
+          <a:p>
+            <a:fld id="{32E6A6C8-C530-431F-A7AE-B894BB0717C3}" type="slidenum">
+              <a:rPr lang="ro-RO" smtClean="0"/>
+              <a:t>‹#›</a:t>
+            </a:fld>
+            <a:endParaRPr lang="ro-RO"/>
+          </a:p>
+        </p:txBody>
+      </p:sp>
+    </p:spTree>
+    <p:extLst>
+      <p:ext uri="{BB962C8B-B14F-4D97-AF65-F5344CB8AC3E}">
+        <p14:creationId xmlns:p14="http://schemas.microsoft.com/office/powerpoint/2010/main" val="2691370886"/>
+      </p:ext>
+    </p:extLst>
+  </p:cSld>
+  <p:clrMap bg1="lt1" tx1="dk1" bg2="lt2" tx2="dk2" accent1="accent1" accent2="accent2" accent3="accent3" accent4="accent4" accent5="accent5" accent6="accent6" hlink="hlink" folHlink="folHlink"/>
+  <p:notesStyle>
+    <a:lvl1pPr marL="0" algn="l" defTabSz="914400" rtl="0" eaLnBrk="1" latinLnBrk="0" hangingPunct="1">
+      <a:defRPr sz="1200" kern="1200">
+        <a:solidFill>
+          <a:schemeClr val="tx1"/>
+        </a:solidFill>
+        <a:latin typeface="+mn-lt"/>
+        <a:ea typeface="+mn-ea"/>
+        <a:cs typeface="+mn-cs"/>
+      </a:defRPr>
+    </a:lvl1pPr>
+    <a:lvl2pPr marL="457200" algn="l" defTabSz="914400" rtl="0" eaLnBrk="1" latinLnBrk="0" hangingPunct="1">
+      <a:defRPr sz="1200" kern="1200">
+        <a:solidFill>
+          <a:schemeClr val="tx1"/>
+        </a:solidFill>
+        <a:latin typeface="+mn-lt"/>
+        <a:ea typeface="+mn-ea"/>
+        <a:cs typeface="+mn-cs"/>
+      </a:defRPr>
+    </a:lvl2pPr>
+    <a:lvl3pPr marL="914400" algn="l" defTabSz="914400" rtl="0" eaLnBrk="1" latinLnBrk="0" hangingPunct="1">
+      <a:defRPr sz="1200" kern="1200">
+        <a:solidFill>
+          <a:schemeClr val="tx1"/>
+        </a:solidFill>
+        <a:latin typeface="+mn-lt"/>
+        <a:ea typeface="+mn-ea"/>
+        <a:cs typeface="+mn-cs"/>
+      </a:defRPr>
+    </a:lvl3pPr>
+    <a:lvl4pPr marL="1371600" algn="l" defTabSz="914400" rtl="0" eaLnBrk="1" latinLnBrk="0" hangingPunct="1">
+      <a:defRPr sz="1200" kern="1200">
+        <a:solidFill>
+          <a:schemeClr val="tx1"/>
+        </a:solidFill>
+        <a:latin typeface="+mn-lt"/>
+        <a:ea typeface="+mn-ea"/>
+        <a:cs typeface="+mn-cs"/>
+      </a:defRPr>
+    </a:lvl4pPr>
+    <a:lvl5pPr marL="1828800" algn="l" defTabSz="914400" rtl="0" eaLnBrk="1" latinLnBrk="0" hangingPunct="1">
+      <a:defRPr sz="1200" kern="1200">
+        <a:solidFill>
+          <a:schemeClr val="tx1"/>
+        </a:solidFill>
+        <a:latin typeface="+mn-lt"/>
+        <a:ea typeface="+mn-ea"/>
+        <a:cs typeface="+mn-cs"/>
+      </a:defRPr>
+    </a:lvl5pPr>
+    <a:lvl6pPr marL="2286000" algn="l" defTabSz="914400" rtl="0" eaLnBrk="1" latinLnBrk="0" hangingPunct="1">
+      <a:defRPr sz="1200" kern="1200">
+        <a:solidFill>
+          <a:schemeClr val="tx1"/>
+        </a:solidFill>
+        <a:latin typeface="+mn-lt"/>
+        <a:ea typeface="+mn-ea"/>
+        <a:cs typeface="+mn-cs"/>
+      </a:defRPr>
+    </a:lvl6pPr>
+    <a:lvl7pPr marL="2743200" algn="l" defTabSz="914400" rtl="0" eaLnBrk="1" latinLnBrk="0" hangingPunct="1">
+      <a:defRPr sz="1200" kern="1200">
+        <a:solidFill>
+          <a:schemeClr val="tx1"/>
+        </a:solidFill>
+        <a:latin typeface="+mn-lt"/>
+        <a:ea typeface="+mn-ea"/>
+        <a:cs typeface="+mn-cs"/>
+      </a:defRPr>
+    </a:lvl7pPr>
+    <a:lvl8pPr marL="3200400" algn="l" defTabSz="914400" rtl="0" eaLnBrk="1" latinLnBrk="0" hangingPunct="1">
+      <a:defRPr sz="1200" kern="1200">
+        <a:solidFill>
+          <a:schemeClr val="tx1"/>
+        </a:solidFill>
+        <a:latin typeface="+mn-lt"/>
+        <a:ea typeface="+mn-ea"/>
+        <a:cs typeface="+mn-cs"/>
+      </a:defRPr>
+    </a:lvl8pPr>
+    <a:lvl9pPr marL="3657600" algn="l" defTabSz="914400" rtl="0" eaLnBrk="1" latinLnBrk="0" hangingPunct="1">
+      <a:defRPr sz="1200" kern="1200">
+        <a:solidFill>
+          <a:schemeClr val="tx1"/>
+        </a:solidFill>
+        <a:latin typeface="+mn-lt"/>
+        <a:ea typeface="+mn-ea"/>
+        <a:cs typeface="+mn-cs"/>
+      </a:defRPr>
+    </a:lvl9pPr>
+  </p:notesStyle>
+</p:notesMaster>
 </file>
 
 <file path=ppt/slideLayouts/slideLayout1.xml><?xml version="1.0" encoding="utf-8"?>
@@ -842,7 +1195,7 @@
           <a:bodyPr/>
           <a:lstStyle/>
           <a:p>
-            <a:fld id="{D446CF9B-84B2-4EE5-AA0A-7E127EFED83F}" type="datetimeFigureOut">
+            <a:fld id="{4624BD3E-EFEF-448A-B67C-5EF9F929C8D1}" type="datetime1">
               <a:rPr lang="ro-RO" smtClean="0"/>
               <a:t>29.06.2018</a:t>
             </a:fld>
@@ -1093,7 +1446,7 @@
           <a:bodyPr/>
           <a:lstStyle/>
           <a:p>
-            <a:fld id="{D446CF9B-84B2-4EE5-AA0A-7E127EFED83F}" type="datetimeFigureOut">
+            <a:fld id="{70C1B772-1895-4418-8729-93F7511ADBDA}" type="datetime1">
               <a:rPr lang="ro-RO" smtClean="0"/>
               <a:t>29.06.2018</a:t>
             </a:fld>
@@ -1407,7 +1760,7 @@
           <a:bodyPr/>
           <a:lstStyle/>
           <a:p>
-            <a:fld id="{D446CF9B-84B2-4EE5-AA0A-7E127EFED83F}" type="datetimeFigureOut">
+            <a:fld id="{497D6D17-F437-4E75-9BA2-88ACC5BFEF49}" type="datetime1">
               <a:rPr lang="ro-RO" smtClean="0"/>
               <a:t>29.06.2018</a:t>
             </a:fld>
@@ -1748,7 +2101,7 @@
           <a:bodyPr/>
           <a:lstStyle/>
           <a:p>
-            <a:fld id="{D446CF9B-84B2-4EE5-AA0A-7E127EFED83F}" type="datetimeFigureOut">
+            <a:fld id="{0FBE3FE7-D11B-45A0-80AC-F598F0E26473}" type="datetime1">
               <a:rPr lang="ro-RO" smtClean="0"/>
               <a:t>29.06.2018</a:t>
             </a:fld>
@@ -2062,7 +2415,7 @@
           <a:bodyPr/>
           <a:lstStyle/>
           <a:p>
-            <a:fld id="{D446CF9B-84B2-4EE5-AA0A-7E127EFED83F}" type="datetimeFigureOut">
+            <a:fld id="{917925E8-A270-4668-974F-201EEA3D5F8C}" type="datetime1">
               <a:rPr lang="ro-RO" smtClean="0"/>
               <a:t>29.06.2018</a:t>
             </a:fld>
@@ -2455,7 +2808,7 @@
           <a:bodyPr/>
           <a:lstStyle/>
           <a:p>
-            <a:fld id="{D446CF9B-84B2-4EE5-AA0A-7E127EFED83F}" type="datetimeFigureOut">
+            <a:fld id="{2E447055-0751-495A-A18C-F84BAFB2C30A}" type="datetime1">
               <a:rPr lang="ro-RO" smtClean="0"/>
               <a:t>29.06.2018</a:t>
             </a:fld>
@@ -2625,7 +2978,7 @@
           <a:bodyPr/>
           <a:lstStyle/>
           <a:p>
-            <a:fld id="{D446CF9B-84B2-4EE5-AA0A-7E127EFED83F}" type="datetimeFigureOut">
+            <a:fld id="{95A1E46E-3B5F-491A-B65B-B9C5E4D344F1}" type="datetime1">
               <a:rPr lang="ro-RO" smtClean="0"/>
               <a:t>29.06.2018</a:t>
             </a:fld>
@@ -2805,7 +3158,7 @@
           <a:bodyPr/>
           <a:lstStyle/>
           <a:p>
-            <a:fld id="{D446CF9B-84B2-4EE5-AA0A-7E127EFED83F}" type="datetimeFigureOut">
+            <a:fld id="{13FE65B8-DA09-4BB3-99BD-328F2FF4BEF1}" type="datetime1">
               <a:rPr lang="ro-RO" smtClean="0"/>
               <a:t>29.06.2018</a:t>
             </a:fld>
@@ -2981,7 +3334,7 @@
           <a:bodyPr/>
           <a:lstStyle/>
           <a:p>
-            <a:fld id="{D446CF9B-84B2-4EE5-AA0A-7E127EFED83F}" type="datetimeFigureOut">
+            <a:fld id="{53D6F999-633A-4FCA-A7FB-09AEBE96E7D5}" type="datetime1">
               <a:rPr lang="ro-RO" smtClean="0"/>
               <a:t>29.06.2018</a:t>
             </a:fld>
@@ -3228,7 +3581,7 @@
           <a:bodyPr/>
           <a:lstStyle/>
           <a:p>
-            <a:fld id="{D446CF9B-84B2-4EE5-AA0A-7E127EFED83F}" type="datetimeFigureOut">
+            <a:fld id="{75DAFB21-8F60-4BE0-8C9D-DA44C724C3F7}" type="datetime1">
               <a:rPr lang="ro-RO" smtClean="0"/>
               <a:t>29.06.2018</a:t>
             </a:fld>
@@ -3460,7 +3813,7 @@
           <a:bodyPr/>
           <a:lstStyle/>
           <a:p>
-            <a:fld id="{D446CF9B-84B2-4EE5-AA0A-7E127EFED83F}" type="datetimeFigureOut">
+            <a:fld id="{CAC5C063-E1B3-4667-88F7-762ED3C1E077}" type="datetime1">
               <a:rPr lang="ro-RO" smtClean="0"/>
               <a:t>29.06.2018</a:t>
             </a:fld>
@@ -3834,7 +4187,7 @@
           <a:bodyPr/>
           <a:lstStyle/>
           <a:p>
-            <a:fld id="{D446CF9B-84B2-4EE5-AA0A-7E127EFED83F}" type="datetimeFigureOut">
+            <a:fld id="{F8B36C57-2F2B-4F90-97F6-72220923BF89}" type="datetime1">
               <a:rPr lang="ro-RO" smtClean="0"/>
               <a:t>29.06.2018</a:t>
             </a:fld>
@@ -3957,7 +4310,7 @@
           <a:bodyPr/>
           <a:lstStyle/>
           <a:p>
-            <a:fld id="{D446CF9B-84B2-4EE5-AA0A-7E127EFED83F}" type="datetimeFigureOut">
+            <a:fld id="{C8749DD3-8386-4728-9DC4-7F65F91597A3}" type="datetime1">
               <a:rPr lang="ro-RO" smtClean="0"/>
               <a:t>29.06.2018</a:t>
             </a:fld>
@@ -4052,7 +4405,7 @@
           <a:bodyPr/>
           <a:lstStyle/>
           <a:p>
-            <a:fld id="{D446CF9B-84B2-4EE5-AA0A-7E127EFED83F}" type="datetimeFigureOut">
+            <a:fld id="{293540DC-FF8C-453F-BC7B-4E84CE603E0A}" type="datetime1">
               <a:rPr lang="ro-RO" smtClean="0"/>
               <a:t>29.06.2018</a:t>
             </a:fld>
@@ -4307,7 +4660,7 @@
           <a:bodyPr/>
           <a:lstStyle/>
           <a:p>
-            <a:fld id="{D446CF9B-84B2-4EE5-AA0A-7E127EFED83F}" type="datetimeFigureOut">
+            <a:fld id="{EE64E3D4-EC8B-4337-9E96-CFA4AB691E3E}" type="datetime1">
               <a:rPr lang="ro-RO" smtClean="0"/>
               <a:t>29.06.2018</a:t>
             </a:fld>
@@ -4570,7 +4923,7 @@
           <a:bodyPr/>
           <a:lstStyle/>
           <a:p>
-            <a:fld id="{D446CF9B-84B2-4EE5-AA0A-7E127EFED83F}" type="datetimeFigureOut">
+            <a:fld id="{397D97D5-CEF7-4170-83EE-503DA1792BEE}" type="datetime1">
               <a:rPr lang="ro-RO" smtClean="0"/>
               <a:t>29.06.2018</a:t>
             </a:fld>
@@ -5313,7 +5666,7 @@
             </a:lvl1pPr>
           </a:lstStyle>
           <a:p>
-            <a:fld id="{D446CF9B-84B2-4EE5-AA0A-7E127EFED83F}" type="datetimeFigureOut">
+            <a:fld id="{0F62C2F4-D010-47BC-9909-FA03AD2F7E8A}" type="datetime1">
               <a:rPr lang="ro-RO" smtClean="0"/>
               <a:t>29.06.2018</a:t>
             </a:fld>
@@ -5423,6 +5776,7 @@
     <p:sldLayoutId id="2147483675" r:id="rId15"/>
     <p:sldLayoutId id="2147483676" r:id="rId16"/>
   </p:sldLayoutIdLst>
+  <p:hf hdr="0" ftr="0" dt="0"/>
   <p:txStyles>
     <p:titleStyle>
       <a:lvl1pPr algn="l" defTabSz="457200" rtl="0" eaLnBrk="1" latinLnBrk="0" hangingPunct="1">
@@ -5918,6 +6272,29 @@
           </a:p>
         </p:txBody>
       </p:sp>
+      <p:sp>
+        <p:nvSpPr>
+          <p:cNvPr id="5" name="Slide Number Placeholder 4"/>
+          <p:cNvSpPr>
+            <a:spLocks noGrp="1"/>
+          </p:cNvSpPr>
+          <p:nvPr>
+            <p:ph type="sldNum" sz="quarter" idx="12"/>
+          </p:nvPr>
+        </p:nvSpPr>
+        <p:spPr/>
+        <p:txBody>
+          <a:bodyPr/>
+          <a:lstStyle/>
+          <a:p>
+            <a:fld id="{5E0C7B0B-43D3-4461-85A6-E8B7052943D2}" type="slidenum">
+              <a:rPr lang="ro-RO" smtClean="0"/>
+              <a:t>1</a:t>
+            </a:fld>
+            <a:endParaRPr lang="ro-RO" dirty="0"/>
+          </a:p>
+        </p:txBody>
+      </p:sp>
     </p:spTree>
     <p:extLst>
       <p:ext uri="{BB962C8B-B14F-4D97-AF65-F5344CB8AC3E}">
@@ -5998,6 +6375,29 @@
           </a:p>
         </p:txBody>
       </p:sp>
+      <p:sp>
+        <p:nvSpPr>
+          <p:cNvPr id="5" name="Slide Number Placeholder 4"/>
+          <p:cNvSpPr>
+            <a:spLocks noGrp="1"/>
+          </p:cNvSpPr>
+          <p:nvPr>
+            <p:ph type="sldNum" sz="quarter" idx="12"/>
+          </p:nvPr>
+        </p:nvSpPr>
+        <p:spPr/>
+        <p:txBody>
+          <a:bodyPr/>
+          <a:lstStyle/>
+          <a:p>
+            <a:fld id="{5E0C7B0B-43D3-4461-85A6-E8B7052943D2}" type="slidenum">
+              <a:rPr lang="ro-RO" smtClean="0"/>
+              <a:t>10</a:t>
+            </a:fld>
+            <a:endParaRPr lang="ro-RO"/>
+          </a:p>
+        </p:txBody>
+      </p:sp>
     </p:spTree>
     <p:extLst>
       <p:ext uri="{BB962C8B-B14F-4D97-AF65-F5344CB8AC3E}">
@@ -6008,6 +6408,13 @@
   <p:clrMapOvr>
     <a:masterClrMapping/>
   </p:clrMapOvr>
+  <p:timing>
+    <p:tnLst>
+      <p:par>
+        <p:cTn id="1" dur="indefinite" restart="never" nodeType="tmRoot"/>
+      </p:par>
+    </p:tnLst>
+  </p:timing>
 </p:sld>
 </file>
 
@@ -6070,6 +6477,29 @@
           </a:p>
         </p:txBody>
       </p:sp>
+      <p:sp>
+        <p:nvSpPr>
+          <p:cNvPr id="5" name="Slide Number Placeholder 4"/>
+          <p:cNvSpPr>
+            <a:spLocks noGrp="1"/>
+          </p:cNvSpPr>
+          <p:nvPr>
+            <p:ph type="sldNum" sz="quarter" idx="12"/>
+          </p:nvPr>
+        </p:nvSpPr>
+        <p:spPr/>
+        <p:txBody>
+          <a:bodyPr/>
+          <a:lstStyle/>
+          <a:p>
+            <a:fld id="{5E0C7B0B-43D3-4461-85A6-E8B7052943D2}" type="slidenum">
+              <a:rPr lang="ro-RO" smtClean="0"/>
+              <a:t>11</a:t>
+            </a:fld>
+            <a:endParaRPr lang="ro-RO"/>
+          </a:p>
+        </p:txBody>
+      </p:sp>
     </p:spTree>
     <p:extLst>
       <p:ext uri="{BB962C8B-B14F-4D97-AF65-F5344CB8AC3E}">
@@ -6080,6 +6510,13 @@
   <p:clrMapOvr>
     <a:masterClrMapping/>
   </p:clrMapOvr>
+  <p:timing>
+    <p:tnLst>
+      <p:par>
+        <p:cTn id="1" dur="indefinite" restart="never" nodeType="tmRoot"/>
+      </p:par>
+    </p:tnLst>
+  </p:timing>
 </p:sld>
 </file>
 
@@ -6141,8 +6578,51 @@
           <a:lstStyle/>
           <a:p>
             <a:r>
+              <a:rPr lang="en-US" sz="2400" dirty="0" err="1" smtClean="0"/>
+              <a:t>Aprofundarea</a:t>
+            </a:r>
+            <a:r>
+              <a:rPr lang="en-US" sz="2400" dirty="0" smtClean="0"/>
+              <a:t> </a:t>
+            </a:r>
+            <a:r>
+              <a:rPr lang="en-US" sz="2400" dirty="0" err="1" smtClean="0"/>
+              <a:t>unei</a:t>
+            </a:r>
+            <a:r>
+              <a:rPr lang="en-US" sz="2400" dirty="0" smtClean="0"/>
+              <a:t> </a:t>
+            </a:r>
+            <a:r>
+              <a:rPr lang="en-US" sz="2400" dirty="0" err="1" smtClean="0"/>
+              <a:t>gramatici</a:t>
+            </a:r>
+            <a:r>
+              <a:rPr lang="en-US" sz="2400" dirty="0" smtClean="0"/>
+              <a:t> </a:t>
+            </a:r>
+            <a:r>
+              <a:rPr lang="en-US" sz="2400" dirty="0" err="1" smtClean="0"/>
+              <a:t>formale</a:t>
+            </a:r>
+            <a:r>
+              <a:rPr lang="en-US" sz="2400" dirty="0" smtClean="0"/>
+              <a:t> </a:t>
+            </a:r>
+            <a:r>
               <a:rPr lang="ro-RO" sz="2400" dirty="0" smtClean="0"/>
-              <a:t>Dezvoltarea unei aplicații care interpretează grafic cuvinte generate recurent după un set de reguli</a:t>
+              <a:t>și a unui sistem de reprezentare grafică</a:t>
+            </a:r>
+            <a:endParaRPr lang="en-US" sz="2400" dirty="0" smtClean="0"/>
+          </a:p>
+          <a:p>
+            <a:r>
+              <a:rPr lang="ro-RO" sz="2400" dirty="0" smtClean="0"/>
+              <a:t>Dezvoltarea </a:t>
+            </a:r>
+            <a:r>
+              <a:rPr lang="ro-RO" sz="2400" dirty="0" smtClean="0"/>
+              <a:t>unei aplicații care interpretează grafic cuvinte generate recurent după un set de reguli</a:t>
             </a:r>
           </a:p>
           <a:p>
@@ -6157,6 +6637,29 @@
               <a:t>Implementarea unei interfețe grafice care să fie intuitivă pentru utilizatori</a:t>
             </a:r>
             <a:endParaRPr lang="ro-RO" sz="2400" dirty="0"/>
+          </a:p>
+        </p:txBody>
+      </p:sp>
+      <p:sp>
+        <p:nvSpPr>
+          <p:cNvPr id="5" name="Slide Number Placeholder 4"/>
+          <p:cNvSpPr>
+            <a:spLocks noGrp="1"/>
+          </p:cNvSpPr>
+          <p:nvPr>
+            <p:ph type="sldNum" sz="quarter" idx="12"/>
+          </p:nvPr>
+        </p:nvSpPr>
+        <p:spPr/>
+        <p:txBody>
+          <a:bodyPr/>
+          <a:lstStyle/>
+          <a:p>
+            <a:fld id="{5E0C7B0B-43D3-4461-85A6-E8B7052943D2}" type="slidenum">
+              <a:rPr lang="ro-RO" smtClean="0"/>
+              <a:t>2</a:t>
+            </a:fld>
+            <a:endParaRPr lang="ro-RO"/>
           </a:p>
         </p:txBody>
       </p:sp>
@@ -6278,13 +6781,7 @@
               <a:rPr lang="ro-RO" sz="2400" dirty="0" smtClean="0">
                 <a:latin typeface="+mj-lt"/>
               </a:rPr>
-              <a:t>) sunt sisteme de rescriere în paralel</a:t>
-            </a:r>
-            <a:r>
-              <a:rPr lang="ro-RO" sz="2400" dirty="0" smtClean="0">
-                <a:latin typeface="+mj-lt"/>
-              </a:rPr>
-              <a:t>.</a:t>
+              <a:t>) sunt sisteme de rescriere în paralel.</a:t>
             </a:r>
             <a:endParaRPr lang="en-US" sz="2400" dirty="0" smtClean="0">
               <a:latin typeface="+mj-lt"/>
@@ -6447,6 +6944,29 @@
             <a:endParaRPr lang="ro-RO" sz="2400" dirty="0">
               <a:latin typeface="+mj-lt"/>
             </a:endParaRPr>
+          </a:p>
+        </p:txBody>
+      </p:sp>
+      <p:sp>
+        <p:nvSpPr>
+          <p:cNvPr id="5" name="Slide Number Placeholder 4"/>
+          <p:cNvSpPr>
+            <a:spLocks noGrp="1"/>
+          </p:cNvSpPr>
+          <p:nvPr>
+            <p:ph type="sldNum" sz="quarter" idx="12"/>
+          </p:nvPr>
+        </p:nvSpPr>
+        <p:spPr/>
+        <p:txBody>
+          <a:bodyPr/>
+          <a:lstStyle/>
+          <a:p>
+            <a:fld id="{5E0C7B0B-43D3-4461-85A6-E8B7052943D2}" type="slidenum">
+              <a:rPr lang="ro-RO" smtClean="0"/>
+              <a:t>3</a:t>
+            </a:fld>
+            <a:endParaRPr lang="ro-RO"/>
           </a:p>
         </p:txBody>
       </p:sp>
@@ -6729,6 +7249,29 @@
           </a:extLst>
         </p:spPr>
       </p:pic>
+      <p:sp>
+        <p:nvSpPr>
+          <p:cNvPr id="5" name="Slide Number Placeholder 4"/>
+          <p:cNvSpPr>
+            <a:spLocks noGrp="1"/>
+          </p:cNvSpPr>
+          <p:nvPr>
+            <p:ph type="sldNum" sz="quarter" idx="12"/>
+          </p:nvPr>
+        </p:nvSpPr>
+        <p:spPr/>
+        <p:txBody>
+          <a:bodyPr/>
+          <a:lstStyle/>
+          <a:p>
+            <a:fld id="{5E0C7B0B-43D3-4461-85A6-E8B7052943D2}" type="slidenum">
+              <a:rPr lang="ro-RO" smtClean="0"/>
+              <a:t>4</a:t>
+            </a:fld>
+            <a:endParaRPr lang="ro-RO"/>
+          </a:p>
+        </p:txBody>
+      </p:sp>
     </p:spTree>
     <p:extLst>
       <p:ext uri="{BB962C8B-B14F-4D97-AF65-F5344CB8AC3E}">
@@ -6872,6 +7415,29 @@
           </a:p>
         </p:txBody>
       </p:sp>
+      <p:sp>
+        <p:nvSpPr>
+          <p:cNvPr id="5" name="Slide Number Placeholder 4"/>
+          <p:cNvSpPr>
+            <a:spLocks noGrp="1"/>
+          </p:cNvSpPr>
+          <p:nvPr>
+            <p:ph type="sldNum" sz="quarter" idx="12"/>
+          </p:nvPr>
+        </p:nvSpPr>
+        <p:spPr/>
+        <p:txBody>
+          <a:bodyPr/>
+          <a:lstStyle/>
+          <a:p>
+            <a:fld id="{5E0C7B0B-43D3-4461-85A6-E8B7052943D2}" type="slidenum">
+              <a:rPr lang="ro-RO" smtClean="0"/>
+              <a:t>5</a:t>
+            </a:fld>
+            <a:endParaRPr lang="ro-RO"/>
+          </a:p>
+        </p:txBody>
+      </p:sp>
     </p:spTree>
     <p:extLst>
       <p:ext uri="{BB962C8B-B14F-4D97-AF65-F5344CB8AC3E}">
@@ -7048,6 +7614,29 @@
           </a:prstGeom>
         </p:spPr>
       </p:pic>
+      <p:sp>
+        <p:nvSpPr>
+          <p:cNvPr id="4" name="Slide Number Placeholder 3"/>
+          <p:cNvSpPr>
+            <a:spLocks noGrp="1"/>
+          </p:cNvSpPr>
+          <p:nvPr>
+            <p:ph type="sldNum" sz="quarter" idx="12"/>
+          </p:nvPr>
+        </p:nvSpPr>
+        <p:spPr/>
+        <p:txBody>
+          <a:bodyPr/>
+          <a:lstStyle/>
+          <a:p>
+            <a:fld id="{5E0C7B0B-43D3-4461-85A6-E8B7052943D2}" type="slidenum">
+              <a:rPr lang="ro-RO" smtClean="0"/>
+              <a:t>6</a:t>
+            </a:fld>
+            <a:endParaRPr lang="ro-RO"/>
+          </a:p>
+        </p:txBody>
+      </p:sp>
     </p:spTree>
     <p:extLst>
       <p:ext uri="{BB962C8B-B14F-4D97-AF65-F5344CB8AC3E}">
@@ -7235,6 +7824,29 @@
           </a:prstGeom>
         </p:spPr>
       </p:pic>
+      <p:sp>
+        <p:nvSpPr>
+          <p:cNvPr id="6" name="Slide Number Placeholder 5"/>
+          <p:cNvSpPr>
+            <a:spLocks noGrp="1"/>
+          </p:cNvSpPr>
+          <p:nvPr>
+            <p:ph type="sldNum" sz="quarter" idx="12"/>
+          </p:nvPr>
+        </p:nvSpPr>
+        <p:spPr/>
+        <p:txBody>
+          <a:bodyPr/>
+          <a:lstStyle/>
+          <a:p>
+            <a:fld id="{5E0C7B0B-43D3-4461-85A6-E8B7052943D2}" type="slidenum">
+              <a:rPr lang="ro-RO" smtClean="0"/>
+              <a:t>7</a:t>
+            </a:fld>
+            <a:endParaRPr lang="ro-RO"/>
+          </a:p>
+        </p:txBody>
+      </p:sp>
     </p:spTree>
     <p:extLst>
       <p:ext uri="{BB962C8B-B14F-4D97-AF65-F5344CB8AC3E}">
@@ -7303,15 +7915,96 @@
           </a:p>
         </p:txBody>
       </p:sp>
+      <p:sp>
+        <p:nvSpPr>
+          <p:cNvPr id="5" name="Slide Number Placeholder 4"/>
+          <p:cNvSpPr>
+            <a:spLocks noGrp="1"/>
+          </p:cNvSpPr>
+          <p:nvPr>
+            <p:ph type="sldNum" sz="quarter" idx="12"/>
+          </p:nvPr>
+        </p:nvSpPr>
+        <p:spPr/>
+        <p:txBody>
+          <a:bodyPr/>
+          <a:lstStyle/>
+          <a:p>
+            <a:fld id="{5E0C7B0B-43D3-4461-85A6-E8B7052943D2}" type="slidenum">
+              <a:rPr lang="ro-RO" smtClean="0"/>
+              <a:t>8</a:t>
+            </a:fld>
+            <a:endParaRPr lang="ro-RO"/>
+          </a:p>
+        </p:txBody>
+      </p:sp>
+      <p:sp>
+        <p:nvSpPr>
+          <p:cNvPr id="6" name="Content Placeholder 5"/>
+          <p:cNvSpPr>
+            <a:spLocks noGrp="1"/>
+          </p:cNvSpPr>
+          <p:nvPr>
+            <p:ph idx="1"/>
+          </p:nvPr>
+        </p:nvSpPr>
+        <p:spPr>
+          <a:xfrm>
+            <a:off x="677334" y="2404082"/>
+            <a:ext cx="8596668" cy="3880773"/>
+          </a:xfrm>
+        </p:spPr>
+        <p:txBody>
+          <a:bodyPr>
+            <a:normAutofit lnSpcReduction="10000"/>
+          </a:bodyPr>
+          <a:lstStyle/>
+          <a:p>
+            <a:endParaRPr lang="ro-RO" dirty="0" smtClean="0"/>
+          </a:p>
+          <a:p>
+            <a:endParaRPr lang="ro-RO" dirty="0"/>
+          </a:p>
+          <a:p>
+            <a:endParaRPr lang="ro-RO" dirty="0" smtClean="0"/>
+          </a:p>
+          <a:p>
+            <a:endParaRPr lang="ro-RO" dirty="0"/>
+          </a:p>
+          <a:p>
+            <a:endParaRPr lang="ro-RO" dirty="0" smtClean="0"/>
+          </a:p>
+          <a:p>
+            <a:endParaRPr lang="ro-RO" dirty="0"/>
+          </a:p>
+          <a:p>
+            <a:endParaRPr lang="ro-RO" dirty="0" smtClean="0"/>
+          </a:p>
+          <a:p>
+            <a:endParaRPr lang="ro-RO" dirty="0"/>
+          </a:p>
+          <a:p>
+            <a:endParaRPr lang="ro-RO" dirty="0" smtClean="0"/>
+          </a:p>
+          <a:p>
+            <a:pPr marL="0" indent="0">
+              <a:buNone/>
+            </a:pPr>
+            <a:r>
+              <a:rPr lang="ro-RO" dirty="0" smtClean="0"/>
+              <a:t>            Grădină botanică reper						Grădină botanică generată</a:t>
+            </a:r>
+            <a:endParaRPr lang="ro-RO" dirty="0"/>
+          </a:p>
+        </p:txBody>
+      </p:sp>
       <p:pic>
         <p:nvPicPr>
-          <p:cNvPr id="4" name="Content Placeholder 3"/>
+          <p:cNvPr id="7" name="Content Placeholder 3"/>
           <p:cNvPicPr>
-            <a:picLocks noGrp="1"/>
+            <a:picLocks/>
           </p:cNvPicPr>
-          <p:nvPr>
-            <p:ph idx="1"/>
-          </p:nvPr>
+          <p:nvPr/>
         </p:nvPicPr>
         <p:blipFill>
           <a:blip r:embed="rId2">
@@ -7350,6 +8043,13 @@
   <p:clrMapOvr>
     <a:masterClrMapping/>
   </p:clrMapOvr>
+  <p:timing>
+    <p:tnLst>
+      <p:par>
+        <p:cTn id="1" dur="indefinite" restart="never" nodeType="tmRoot"/>
+      </p:par>
+    </p:tnLst>
+  </p:timing>
 </p:sld>
 </file>
 
@@ -7419,6 +8119,29 @@
           </a:prstGeom>
         </p:spPr>
       </p:pic>
+      <p:sp>
+        <p:nvSpPr>
+          <p:cNvPr id="5" name="Slide Number Placeholder 4"/>
+          <p:cNvSpPr>
+            <a:spLocks noGrp="1"/>
+          </p:cNvSpPr>
+          <p:nvPr>
+            <p:ph type="sldNum" sz="quarter" idx="12"/>
+          </p:nvPr>
+        </p:nvSpPr>
+        <p:spPr/>
+        <p:txBody>
+          <a:bodyPr/>
+          <a:lstStyle/>
+          <a:p>
+            <a:fld id="{5E0C7B0B-43D3-4461-85A6-E8B7052943D2}" type="slidenum">
+              <a:rPr lang="ro-RO" smtClean="0"/>
+              <a:t>9</a:t>
+            </a:fld>
+            <a:endParaRPr lang="ro-RO"/>
+          </a:p>
+        </p:txBody>
+      </p:sp>
     </p:spTree>
     <p:extLst>
       <p:ext uri="{BB962C8B-B14F-4D97-AF65-F5344CB8AC3E}">
@@ -7429,6 +8152,13 @@
   <p:clrMapOvr>
     <a:masterClrMapping/>
   </p:clrMapOvr>
+  <p:timing>
+    <p:tnLst>
+      <p:par>
+        <p:cTn id="1" dur="indefinite" restart="never" nodeType="tmRoot"/>
+      </p:par>
+    </p:tnLst>
+  </p:timing>
 </p:sld>
 </file>
 
@@ -7687,4 +8417,265 @@
     </a:ext>
   </a:extLst>
 </a:theme>
+</file>
+
+<file path=ppt/theme/theme2.xml><?xml version="1.0" encoding="utf-8"?>
+<a:theme xmlns:a="http://schemas.openxmlformats.org/drawingml/2006/main" name="Office Theme">
+  <a:themeElements>
+    <a:clrScheme name="Office">
+      <a:dk1>
+        <a:sysClr val="windowText" lastClr="000000"/>
+      </a:dk1>
+      <a:lt1>
+        <a:sysClr val="window" lastClr="FFFFFF"/>
+      </a:lt1>
+      <a:dk2>
+        <a:srgbClr val="44546A"/>
+      </a:dk2>
+      <a:lt2>
+        <a:srgbClr val="E7E6E6"/>
+      </a:lt2>
+      <a:accent1>
+        <a:srgbClr val="5B9BD5"/>
+      </a:accent1>
+      <a:accent2>
+        <a:srgbClr val="ED7D31"/>
+      </a:accent2>
+      <a:accent3>
+        <a:srgbClr val="A5A5A5"/>
+      </a:accent3>
+      <a:accent4>
+        <a:srgbClr val="FFC000"/>
+      </a:accent4>
+      <a:accent5>
+        <a:srgbClr val="4472C4"/>
+      </a:accent5>
+      <a:accent6>
+        <a:srgbClr val="70AD47"/>
+      </a:accent6>
+      <a:hlink>
+        <a:srgbClr val="0563C1"/>
+      </a:hlink>
+      <a:folHlink>
+        <a:srgbClr val="954F72"/>
+      </a:folHlink>
+    </a:clrScheme>
+    <a:fontScheme name="Office">
+      <a:majorFont>
+        <a:latin typeface="Calibri Light" panose="020F0302020204030204"/>
+        <a:ea typeface=""/>
+        <a:cs typeface=""/>
+        <a:font script="Jpan" typeface="游ゴシック Light"/>
+        <a:font script="Hang" typeface="맑은 고딕"/>
+        <a:font script="Hans" typeface="等线 Light"/>
+        <a:font script="Hant" typeface="新細明體"/>
+        <a:font script="Arab" typeface="Times New Roman"/>
+        <a:font script="Hebr" typeface="Times New Roman"/>
+        <a:font script="Thai" typeface="Angsana New"/>
+        <a:font script="Ethi" typeface="Nyala"/>
+        <a:font script="Beng" typeface="Vrinda"/>
+        <a:font script="Gujr" typeface="Shruti"/>
+        <a:font script="Khmr" typeface="MoolBoran"/>
+        <a:font script="Knda" typeface="Tunga"/>
+        <a:font script="Guru" typeface="Raavi"/>
+        <a:font script="Cans" typeface="Euphemia"/>
+        <a:font script="Cher" typeface="Plantagenet Cherokee"/>
+        <a:font script="Yiii" typeface="Microsoft Yi Baiti"/>
+        <a:font script="Tibt" typeface="Microsoft Himalaya"/>
+        <a:font script="Thaa" typeface="MV Boli"/>
+        <a:font script="Deva" typeface="Mangal"/>
+        <a:font script="Telu" typeface="Gautami"/>
+        <a:font script="Taml" typeface="Latha"/>
+        <a:font script="Syrc" typeface="Estrangelo Edessa"/>
+        <a:font script="Orya" typeface="Kalinga"/>
+        <a:font script="Mlym" typeface="Kartika"/>
+        <a:font script="Laoo" typeface="DokChampa"/>
+        <a:font script="Sinh" typeface="Iskoola Pota"/>
+        <a:font script="Mong" typeface="Mongolian Baiti"/>
+        <a:font script="Viet" typeface="Times New Roman"/>
+        <a:font script="Uigh" typeface="Microsoft Uighur"/>
+        <a:font script="Geor" typeface="Sylfaen"/>
+      </a:majorFont>
+      <a:minorFont>
+        <a:latin typeface="Calibri" panose="020F0502020204030204"/>
+        <a:ea typeface=""/>
+        <a:cs typeface=""/>
+        <a:font script="Jpan" typeface="游ゴシック"/>
+        <a:font script="Hang" typeface="맑은 고딕"/>
+        <a:font script="Hans" typeface="等线"/>
+        <a:font script="Hant" typeface="新細明體"/>
+        <a:font script="Arab" typeface="Arial"/>
+        <a:font script="Hebr" typeface="Arial"/>
+        <a:font script="Thai" typeface="Cordia New"/>
+        <a:font script="Ethi" typeface="Nyala"/>
+        <a:font script="Beng" typeface="Vrinda"/>
+        <a:font script="Gujr" typeface="Shruti"/>
+        <a:font script="Khmr" typeface="DaunPenh"/>
+        <a:font script="Knda" typeface="Tunga"/>
+        <a:font script="Guru" typeface="Raavi"/>
+        <a:font script="Cans" typeface="Euphemia"/>
+        <a:font script="Cher" typeface="Plantagenet Cherokee"/>
+        <a:font script="Yiii" typeface="Microsoft Yi Baiti"/>
+        <a:font script="Tibt" typeface="Microsoft Himalaya"/>
+        <a:font script="Thaa" typeface="MV Boli"/>
+        <a:font script="Deva" typeface="Mangal"/>
+        <a:font script="Telu" typeface="Gautami"/>
+        <a:font script="Taml" typeface="Latha"/>
+        <a:font script="Syrc" typeface="Estrangelo Edessa"/>
+        <a:font script="Orya" typeface="Kalinga"/>
+        <a:font script="Mlym" typeface="Kartika"/>
+        <a:font script="Laoo" typeface="DokChampa"/>
+        <a:font script="Sinh" typeface="Iskoola Pota"/>
+        <a:font script="Mong" typeface="Mongolian Baiti"/>
+        <a:font script="Viet" typeface="Arial"/>
+        <a:font script="Uigh" typeface="Microsoft Uighur"/>
+        <a:font script="Geor" typeface="Sylfaen"/>
+      </a:minorFont>
+    </a:fontScheme>
+    <a:fmtScheme name="Office">
+      <a:fillStyleLst>
+        <a:solidFill>
+          <a:schemeClr val="phClr"/>
+        </a:solidFill>
+        <a:gradFill rotWithShape="1">
+          <a:gsLst>
+            <a:gs pos="0">
+              <a:schemeClr val="phClr">
+                <a:lumMod val="110000"/>
+                <a:satMod val="105000"/>
+                <a:tint val="67000"/>
+              </a:schemeClr>
+            </a:gs>
+            <a:gs pos="50000">
+              <a:schemeClr val="phClr">
+                <a:lumMod val="105000"/>
+                <a:satMod val="103000"/>
+                <a:tint val="73000"/>
+              </a:schemeClr>
+            </a:gs>
+            <a:gs pos="100000">
+              <a:schemeClr val="phClr">
+                <a:lumMod val="105000"/>
+                <a:satMod val="109000"/>
+                <a:tint val="81000"/>
+              </a:schemeClr>
+            </a:gs>
+          </a:gsLst>
+          <a:lin ang="5400000" scaled="0"/>
+        </a:gradFill>
+        <a:gradFill rotWithShape="1">
+          <a:gsLst>
+            <a:gs pos="0">
+              <a:schemeClr val="phClr">
+                <a:satMod val="103000"/>
+                <a:lumMod val="102000"/>
+                <a:tint val="94000"/>
+              </a:schemeClr>
+            </a:gs>
+            <a:gs pos="50000">
+              <a:schemeClr val="phClr">
+                <a:satMod val="110000"/>
+                <a:lumMod val="100000"/>
+                <a:shade val="100000"/>
+              </a:schemeClr>
+            </a:gs>
+            <a:gs pos="100000">
+              <a:schemeClr val="phClr">
+                <a:lumMod val="99000"/>
+                <a:satMod val="120000"/>
+                <a:shade val="78000"/>
+              </a:schemeClr>
+            </a:gs>
+          </a:gsLst>
+          <a:lin ang="5400000" scaled="0"/>
+        </a:gradFill>
+      </a:fillStyleLst>
+      <a:lnStyleLst>
+        <a:ln w="6350" cap="flat" cmpd="sng" algn="ctr">
+          <a:solidFill>
+            <a:schemeClr val="phClr"/>
+          </a:solidFill>
+          <a:prstDash val="solid"/>
+          <a:miter lim="800000"/>
+        </a:ln>
+        <a:ln w="12700" cap="flat" cmpd="sng" algn="ctr">
+          <a:solidFill>
+            <a:schemeClr val="phClr"/>
+          </a:solidFill>
+          <a:prstDash val="solid"/>
+          <a:miter lim="800000"/>
+        </a:ln>
+        <a:ln w="19050" cap="flat" cmpd="sng" algn="ctr">
+          <a:solidFill>
+            <a:schemeClr val="phClr"/>
+          </a:solidFill>
+          <a:prstDash val="solid"/>
+          <a:miter lim="800000"/>
+        </a:ln>
+      </a:lnStyleLst>
+      <a:effectStyleLst>
+        <a:effectStyle>
+          <a:effectLst/>
+        </a:effectStyle>
+        <a:effectStyle>
+          <a:effectLst/>
+        </a:effectStyle>
+        <a:effectStyle>
+          <a:effectLst>
+            <a:outerShdw blurRad="57150" dist="19050" dir="5400000" algn="ctr" rotWithShape="0">
+              <a:srgbClr val="000000">
+                <a:alpha val="63000"/>
+              </a:srgbClr>
+            </a:outerShdw>
+          </a:effectLst>
+        </a:effectStyle>
+      </a:effectStyleLst>
+      <a:bgFillStyleLst>
+        <a:solidFill>
+          <a:schemeClr val="phClr"/>
+        </a:solidFill>
+        <a:solidFill>
+          <a:schemeClr val="phClr">
+            <a:tint val="95000"/>
+            <a:satMod val="170000"/>
+          </a:schemeClr>
+        </a:solidFill>
+        <a:gradFill rotWithShape="1">
+          <a:gsLst>
+            <a:gs pos="0">
+              <a:schemeClr val="phClr">
+                <a:tint val="93000"/>
+                <a:satMod val="150000"/>
+                <a:shade val="98000"/>
+                <a:lumMod val="102000"/>
+              </a:schemeClr>
+            </a:gs>
+            <a:gs pos="50000">
+              <a:schemeClr val="phClr">
+                <a:tint val="98000"/>
+                <a:satMod val="130000"/>
+                <a:shade val="90000"/>
+                <a:lumMod val="103000"/>
+              </a:schemeClr>
+            </a:gs>
+            <a:gs pos="100000">
+              <a:schemeClr val="phClr">
+                <a:shade val="63000"/>
+                <a:satMod val="120000"/>
+              </a:schemeClr>
+            </a:gs>
+          </a:gsLst>
+          <a:lin ang="5400000" scaled="0"/>
+        </a:gradFill>
+      </a:bgFillStyleLst>
+    </a:fmtScheme>
+  </a:themeElements>
+  <a:objectDefaults/>
+  <a:extraClrSchemeLst/>
+  <a:extLst>
+    <a:ext uri="{05A4C25C-085E-4340-85A3-A5531E510DB2}">
+      <thm15:themeFamily xmlns:thm15="http://schemas.microsoft.com/office/thememl/2012/main" name="Office Theme" id="{62F939B6-93AF-4DB8-9C6B-D6C7DFDC589F}" vid="{4A3C46E8-61CC-4603-A589-7422A47A8E4A}"/>
+    </a:ext>
+  </a:extLst>
+</a:theme>
 </file>